--- a/Introducing PyCaret - Jul 4 2020.pptx
+++ b/Introducing PyCaret - Jul 4 2020.pptx
@@ -7028,7 +7028,7 @@
               <a:rPr lang="en-CA" dirty="0">
                 <a:hlinkClick r:id="rId2"/>
               </a:rPr>
-              <a:t>https://www.github.com/pycaret/pycaret-demo-mlops2020</a:t>
+              <a:t>https://www.github.com/pycaret/pycaret-demo-tfmeetup</a:t>
             </a:r>
             <a:endParaRPr lang="en-CA" dirty="0"/>
           </a:p>
@@ -13898,19 +13898,7 @@
                 </a:highlight>
                 <a:hlinkClick r:id="rId5"/>
               </a:rPr>
-              <a:t>dataraction</a:t>
-            </a:r>
-            <a:r>
-              <a:rPr lang="en" dirty="0">
-                <a:solidFill>
-                  <a:srgbClr val="201F1E"/>
-                </a:solidFill>
-                <a:highlight>
-                  <a:srgbClr val="FFFFFF"/>
-                </a:highlight>
-                <a:hlinkClick r:id="rId5"/>
-              </a:rPr>
-              <a:t>  </a:t>
+              <a:t>tfmeetup</a:t>
             </a:r>
             <a:endParaRPr dirty="0">
               <a:solidFill>
@@ -14299,7 +14287,7 @@
         </p:nvSpPr>
         <p:spPr>
           <a:xfrm>
-            <a:off x="311700" y="445025"/>
+            <a:off x="311700" y="458572"/>
             <a:ext cx="8520600" cy="572700"/>
           </a:xfrm>
           <a:prstGeom prst="rect">
